--- a/Pulumi.pptx
+++ b/Pulumi.pptx
@@ -135,98 +135,6 @@
 <file path=ppt/changesInfos/changesInfo1.xml><?xml version="1.0" encoding="utf-8"?>
 <pc:chgInfo xmlns:a="http://schemas.openxmlformats.org/drawingml/2006/main" xmlns:r="http://schemas.openxmlformats.org/officeDocument/2006/relationships" xmlns:ac="http://schemas.microsoft.com/office/drawing/2013/main/command" xmlns:pc="http://schemas.microsoft.com/office/powerpoint/2013/main/command">
   <pc:docChgLst>
-    <pc:chgData name="Simon Pinn" userId="3acc6651-786e-47b7-8e0d-94f397d693d1" providerId="ADAL" clId="{62208714-2653-4B27-91C6-F1439194A850}"/>
-    <pc:docChg chg="custSel addSld modSld sldOrd">
-      <pc:chgData name="Simon Pinn" userId="3acc6651-786e-47b7-8e0d-94f397d693d1" providerId="ADAL" clId="{62208714-2653-4B27-91C6-F1439194A850}" dt="2019-11-15T04:43:03.211" v="1465" actId="20577"/>
-      <pc:docMkLst>
-        <pc:docMk/>
-      </pc:docMkLst>
-      <pc:sldChg chg="modSp">
-        <pc:chgData name="Simon Pinn" userId="3acc6651-786e-47b7-8e0d-94f397d693d1" providerId="ADAL" clId="{62208714-2653-4B27-91C6-F1439194A850}" dt="2019-11-15T04:34:31.617" v="1384"/>
-        <pc:sldMkLst>
-          <pc:docMk/>
-          <pc:sldMk cId="2178157700" sldId="261"/>
-        </pc:sldMkLst>
-        <pc:spChg chg="mod">
-          <ac:chgData name="Simon Pinn" userId="3acc6651-786e-47b7-8e0d-94f397d693d1" providerId="ADAL" clId="{62208714-2653-4B27-91C6-F1439194A850}" dt="2019-11-15T04:34:31.617" v="1384"/>
-          <ac:spMkLst>
-            <pc:docMk/>
-            <pc:sldMk cId="2178157700" sldId="261"/>
-            <ac:spMk id="3" creationId="{60180855-AF83-426E-BC60-5399B3DFFC48}"/>
-          </ac:spMkLst>
-        </pc:spChg>
-      </pc:sldChg>
-      <pc:sldChg chg="modSp">
-        <pc:chgData name="Simon Pinn" userId="3acc6651-786e-47b7-8e0d-94f397d693d1" providerId="ADAL" clId="{62208714-2653-4B27-91C6-F1439194A850}" dt="2019-11-12T22:01:10.215" v="275" actId="20577"/>
-        <pc:sldMkLst>
-          <pc:docMk/>
-          <pc:sldMk cId="1083951469" sldId="263"/>
-        </pc:sldMkLst>
-        <pc:spChg chg="mod">
-          <ac:chgData name="Simon Pinn" userId="3acc6651-786e-47b7-8e0d-94f397d693d1" providerId="ADAL" clId="{62208714-2653-4B27-91C6-F1439194A850}" dt="2019-11-12T22:01:10.215" v="275" actId="20577"/>
-          <ac:spMkLst>
-            <pc:docMk/>
-            <pc:sldMk cId="1083951469" sldId="263"/>
-            <ac:spMk id="3" creationId="{303028C9-7AB3-4D77-85E9-5A13ABEF6395}"/>
-          </ac:spMkLst>
-        </pc:spChg>
-      </pc:sldChg>
-      <pc:sldChg chg="modSp">
-        <pc:chgData name="Simon Pinn" userId="3acc6651-786e-47b7-8e0d-94f397d693d1" providerId="ADAL" clId="{62208714-2653-4B27-91C6-F1439194A850}" dt="2019-11-15T04:43:03.211" v="1465" actId="20577"/>
-        <pc:sldMkLst>
-          <pc:docMk/>
-          <pc:sldMk cId="3343737247" sldId="264"/>
-        </pc:sldMkLst>
-        <pc:spChg chg="mod">
-          <ac:chgData name="Simon Pinn" userId="3acc6651-786e-47b7-8e0d-94f397d693d1" providerId="ADAL" clId="{62208714-2653-4B27-91C6-F1439194A850}" dt="2019-11-15T04:43:03.211" v="1465" actId="20577"/>
-          <ac:spMkLst>
-            <pc:docMk/>
-            <pc:sldMk cId="3343737247" sldId="264"/>
-            <ac:spMk id="3" creationId="{B243C1E5-EC12-4B2D-9AB1-8A913AA68CF8}"/>
-          </ac:spMkLst>
-        </pc:spChg>
-      </pc:sldChg>
-      <pc:sldChg chg="modSp add">
-        <pc:chgData name="Simon Pinn" userId="3acc6651-786e-47b7-8e0d-94f397d693d1" providerId="ADAL" clId="{62208714-2653-4B27-91C6-F1439194A850}" dt="2019-11-12T21:31:47.671" v="263" actId="20577"/>
-        <pc:sldMkLst>
-          <pc:docMk/>
-          <pc:sldMk cId="1052832659" sldId="267"/>
-        </pc:sldMkLst>
-        <pc:spChg chg="mod">
-          <ac:chgData name="Simon Pinn" userId="3acc6651-786e-47b7-8e0d-94f397d693d1" providerId="ADAL" clId="{62208714-2653-4B27-91C6-F1439194A850}" dt="2019-11-12T21:31:47.671" v="263" actId="20577"/>
-          <ac:spMkLst>
-            <pc:docMk/>
-            <pc:sldMk cId="1052832659" sldId="267"/>
-            <ac:spMk id="3" creationId="{02A163CB-51DB-49E7-83E3-04FE98C17458}"/>
-          </ac:spMkLst>
-        </pc:spChg>
-      </pc:sldChg>
-      <pc:sldChg chg="modSp add ord">
-        <pc:chgData name="Simon Pinn" userId="3acc6651-786e-47b7-8e0d-94f397d693d1" providerId="ADAL" clId="{62208714-2653-4B27-91C6-F1439194A850}" dt="2019-11-15T04:15:12.710" v="1086" actId="5793"/>
-        <pc:sldMkLst>
-          <pc:docMk/>
-          <pc:sldMk cId="557732373" sldId="268"/>
-        </pc:sldMkLst>
-        <pc:spChg chg="mod">
-          <ac:chgData name="Simon Pinn" userId="3acc6651-786e-47b7-8e0d-94f397d693d1" providerId="ADAL" clId="{62208714-2653-4B27-91C6-F1439194A850}" dt="2019-11-15T04:15:12.710" v="1086" actId="5793"/>
-          <ac:spMkLst>
-            <pc:docMk/>
-            <pc:sldMk cId="557732373" sldId="268"/>
-            <ac:spMk id="2" creationId="{DF04EB75-3726-43B2-B9E3-A24567B3B21A}"/>
-          </ac:spMkLst>
-        </pc:spChg>
-        <pc:spChg chg="mod">
-          <ac:chgData name="Simon Pinn" userId="3acc6651-786e-47b7-8e0d-94f397d693d1" providerId="ADAL" clId="{62208714-2653-4B27-91C6-F1439194A850}" dt="2019-11-15T04:15:05.151" v="1074" actId="20577"/>
-          <ac:spMkLst>
-            <pc:docMk/>
-            <pc:sldMk cId="557732373" sldId="268"/>
-            <ac:spMk id="3" creationId="{12597741-65E5-4AE4-A25B-E1842F4D2EA0}"/>
-          </ac:spMkLst>
-        </pc:spChg>
-      </pc:sldChg>
-    </pc:docChg>
-  </pc:docChgLst>
-  <pc:docChgLst>
     <pc:chgData name="Simon Pinn" userId="3acc6651-786e-47b7-8e0d-94f397d693d1" providerId="ADAL" clId="{F505E5BE-1C47-4CE9-99D9-02EA0325EB71}"/>
     <pc:docChg chg="custSel addSld modSld">
       <pc:chgData name="Simon Pinn" userId="3acc6651-786e-47b7-8e0d-94f397d693d1" providerId="ADAL" clId="{F505E5BE-1C47-4CE9-99D9-02EA0325EB71}" dt="2019-11-09T03:45:50.592" v="1132" actId="20577"/>
@@ -319,6 +227,98 @@
       </pc:sldChg>
     </pc:docChg>
   </pc:docChgLst>
+  <pc:docChgLst>
+    <pc:chgData name="Simon Pinn" userId="3acc6651-786e-47b7-8e0d-94f397d693d1" providerId="ADAL" clId="{62208714-2653-4B27-91C6-F1439194A850}"/>
+    <pc:docChg chg="custSel addSld modSld sldOrd">
+      <pc:chgData name="Simon Pinn" userId="3acc6651-786e-47b7-8e0d-94f397d693d1" providerId="ADAL" clId="{62208714-2653-4B27-91C6-F1439194A850}" dt="2019-11-15T04:43:03.211" v="1465" actId="20577"/>
+      <pc:docMkLst>
+        <pc:docMk/>
+      </pc:docMkLst>
+      <pc:sldChg chg="modSp">
+        <pc:chgData name="Simon Pinn" userId="3acc6651-786e-47b7-8e0d-94f397d693d1" providerId="ADAL" clId="{62208714-2653-4B27-91C6-F1439194A850}" dt="2019-11-15T04:34:31.617" v="1384"/>
+        <pc:sldMkLst>
+          <pc:docMk/>
+          <pc:sldMk cId="2178157700" sldId="261"/>
+        </pc:sldMkLst>
+        <pc:spChg chg="mod">
+          <ac:chgData name="Simon Pinn" userId="3acc6651-786e-47b7-8e0d-94f397d693d1" providerId="ADAL" clId="{62208714-2653-4B27-91C6-F1439194A850}" dt="2019-11-15T04:34:31.617" v="1384"/>
+          <ac:spMkLst>
+            <pc:docMk/>
+            <pc:sldMk cId="2178157700" sldId="261"/>
+            <ac:spMk id="3" creationId="{60180855-AF83-426E-BC60-5399B3DFFC48}"/>
+          </ac:spMkLst>
+        </pc:spChg>
+      </pc:sldChg>
+      <pc:sldChg chg="modSp">
+        <pc:chgData name="Simon Pinn" userId="3acc6651-786e-47b7-8e0d-94f397d693d1" providerId="ADAL" clId="{62208714-2653-4B27-91C6-F1439194A850}" dt="2019-11-12T22:01:10.215" v="275" actId="20577"/>
+        <pc:sldMkLst>
+          <pc:docMk/>
+          <pc:sldMk cId="1083951469" sldId="263"/>
+        </pc:sldMkLst>
+        <pc:spChg chg="mod">
+          <ac:chgData name="Simon Pinn" userId="3acc6651-786e-47b7-8e0d-94f397d693d1" providerId="ADAL" clId="{62208714-2653-4B27-91C6-F1439194A850}" dt="2019-11-12T22:01:10.215" v="275" actId="20577"/>
+          <ac:spMkLst>
+            <pc:docMk/>
+            <pc:sldMk cId="1083951469" sldId="263"/>
+            <ac:spMk id="3" creationId="{303028C9-7AB3-4D77-85E9-5A13ABEF6395}"/>
+          </ac:spMkLst>
+        </pc:spChg>
+      </pc:sldChg>
+      <pc:sldChg chg="modSp">
+        <pc:chgData name="Simon Pinn" userId="3acc6651-786e-47b7-8e0d-94f397d693d1" providerId="ADAL" clId="{62208714-2653-4B27-91C6-F1439194A850}" dt="2019-11-15T04:43:03.211" v="1465" actId="20577"/>
+        <pc:sldMkLst>
+          <pc:docMk/>
+          <pc:sldMk cId="3343737247" sldId="264"/>
+        </pc:sldMkLst>
+        <pc:spChg chg="mod">
+          <ac:chgData name="Simon Pinn" userId="3acc6651-786e-47b7-8e0d-94f397d693d1" providerId="ADAL" clId="{62208714-2653-4B27-91C6-F1439194A850}" dt="2019-11-15T04:43:03.211" v="1465" actId="20577"/>
+          <ac:spMkLst>
+            <pc:docMk/>
+            <pc:sldMk cId="3343737247" sldId="264"/>
+            <ac:spMk id="3" creationId="{B243C1E5-EC12-4B2D-9AB1-8A913AA68CF8}"/>
+          </ac:spMkLst>
+        </pc:spChg>
+      </pc:sldChg>
+      <pc:sldChg chg="modSp add">
+        <pc:chgData name="Simon Pinn" userId="3acc6651-786e-47b7-8e0d-94f397d693d1" providerId="ADAL" clId="{62208714-2653-4B27-91C6-F1439194A850}" dt="2019-11-12T21:31:47.671" v="263" actId="20577"/>
+        <pc:sldMkLst>
+          <pc:docMk/>
+          <pc:sldMk cId="1052832659" sldId="267"/>
+        </pc:sldMkLst>
+        <pc:spChg chg="mod">
+          <ac:chgData name="Simon Pinn" userId="3acc6651-786e-47b7-8e0d-94f397d693d1" providerId="ADAL" clId="{62208714-2653-4B27-91C6-F1439194A850}" dt="2019-11-12T21:31:47.671" v="263" actId="20577"/>
+          <ac:spMkLst>
+            <pc:docMk/>
+            <pc:sldMk cId="1052832659" sldId="267"/>
+            <ac:spMk id="3" creationId="{02A163CB-51DB-49E7-83E3-04FE98C17458}"/>
+          </ac:spMkLst>
+        </pc:spChg>
+      </pc:sldChg>
+      <pc:sldChg chg="modSp add ord">
+        <pc:chgData name="Simon Pinn" userId="3acc6651-786e-47b7-8e0d-94f397d693d1" providerId="ADAL" clId="{62208714-2653-4B27-91C6-F1439194A850}" dt="2019-11-15T04:15:12.710" v="1086" actId="5793"/>
+        <pc:sldMkLst>
+          <pc:docMk/>
+          <pc:sldMk cId="557732373" sldId="268"/>
+        </pc:sldMkLst>
+        <pc:spChg chg="mod">
+          <ac:chgData name="Simon Pinn" userId="3acc6651-786e-47b7-8e0d-94f397d693d1" providerId="ADAL" clId="{62208714-2653-4B27-91C6-F1439194A850}" dt="2019-11-15T04:15:12.710" v="1086" actId="5793"/>
+          <ac:spMkLst>
+            <pc:docMk/>
+            <pc:sldMk cId="557732373" sldId="268"/>
+            <ac:spMk id="2" creationId="{DF04EB75-3726-43B2-B9E3-A24567B3B21A}"/>
+          </ac:spMkLst>
+        </pc:spChg>
+        <pc:spChg chg="mod">
+          <ac:chgData name="Simon Pinn" userId="3acc6651-786e-47b7-8e0d-94f397d693d1" providerId="ADAL" clId="{62208714-2653-4B27-91C6-F1439194A850}" dt="2019-11-15T04:15:05.151" v="1074" actId="20577"/>
+          <ac:spMkLst>
+            <pc:docMk/>
+            <pc:sldMk cId="557732373" sldId="268"/>
+            <ac:spMk id="3" creationId="{12597741-65E5-4AE4-A25B-E1842F4D2EA0}"/>
+          </ac:spMkLst>
+        </pc:spChg>
+      </pc:sldChg>
+    </pc:docChg>
+  </pc:docChgLst>
 </pc:chgInfo>
 </file>
 
@@ -471,7 +471,7 @@
           <a:p>
             <a:fld id="{3740481E-2B2E-42A6-99E5-3163D735C35F}" type="datetimeFigureOut">
               <a:rPr lang="en-AU" smtClean="0"/>
-              <a:t>15/11/2019</a:t>
+              <a:t>17/11/2019</a:t>
             </a:fld>
             <a:endParaRPr lang="en-AU"/>
           </a:p>
@@ -671,7 +671,7 @@
           <a:p>
             <a:fld id="{3740481E-2B2E-42A6-99E5-3163D735C35F}" type="datetimeFigureOut">
               <a:rPr lang="en-AU" smtClean="0"/>
-              <a:t>15/11/2019</a:t>
+              <a:t>17/11/2019</a:t>
             </a:fld>
             <a:endParaRPr lang="en-AU"/>
           </a:p>
@@ -881,7 +881,7 @@
           <a:p>
             <a:fld id="{3740481E-2B2E-42A6-99E5-3163D735C35F}" type="datetimeFigureOut">
               <a:rPr lang="en-AU" smtClean="0"/>
-              <a:t>15/11/2019</a:t>
+              <a:t>17/11/2019</a:t>
             </a:fld>
             <a:endParaRPr lang="en-AU"/>
           </a:p>
@@ -1081,7 +1081,7 @@
           <a:p>
             <a:fld id="{3740481E-2B2E-42A6-99E5-3163D735C35F}" type="datetimeFigureOut">
               <a:rPr lang="en-AU" smtClean="0"/>
-              <a:t>15/11/2019</a:t>
+              <a:t>17/11/2019</a:t>
             </a:fld>
             <a:endParaRPr lang="en-AU"/>
           </a:p>
@@ -1357,7 +1357,7 @@
           <a:p>
             <a:fld id="{3740481E-2B2E-42A6-99E5-3163D735C35F}" type="datetimeFigureOut">
               <a:rPr lang="en-AU" smtClean="0"/>
-              <a:t>15/11/2019</a:t>
+              <a:t>17/11/2019</a:t>
             </a:fld>
             <a:endParaRPr lang="en-AU"/>
           </a:p>
@@ -1625,7 +1625,7 @@
           <a:p>
             <a:fld id="{3740481E-2B2E-42A6-99E5-3163D735C35F}" type="datetimeFigureOut">
               <a:rPr lang="en-AU" smtClean="0"/>
-              <a:t>15/11/2019</a:t>
+              <a:t>17/11/2019</a:t>
             </a:fld>
             <a:endParaRPr lang="en-AU"/>
           </a:p>
@@ -2040,7 +2040,7 @@
           <a:p>
             <a:fld id="{3740481E-2B2E-42A6-99E5-3163D735C35F}" type="datetimeFigureOut">
               <a:rPr lang="en-AU" smtClean="0"/>
-              <a:t>15/11/2019</a:t>
+              <a:t>17/11/2019</a:t>
             </a:fld>
             <a:endParaRPr lang="en-AU"/>
           </a:p>
@@ -2182,7 +2182,7 @@
           <a:p>
             <a:fld id="{3740481E-2B2E-42A6-99E5-3163D735C35F}" type="datetimeFigureOut">
               <a:rPr lang="en-AU" smtClean="0"/>
-              <a:t>15/11/2019</a:t>
+              <a:t>17/11/2019</a:t>
             </a:fld>
             <a:endParaRPr lang="en-AU"/>
           </a:p>
@@ -2295,7 +2295,7 @@
           <a:p>
             <a:fld id="{3740481E-2B2E-42A6-99E5-3163D735C35F}" type="datetimeFigureOut">
               <a:rPr lang="en-AU" smtClean="0"/>
-              <a:t>15/11/2019</a:t>
+              <a:t>17/11/2019</a:t>
             </a:fld>
             <a:endParaRPr lang="en-AU"/>
           </a:p>
@@ -2608,7 +2608,7 @@
           <a:p>
             <a:fld id="{3740481E-2B2E-42A6-99E5-3163D735C35F}" type="datetimeFigureOut">
               <a:rPr lang="en-AU" smtClean="0"/>
-              <a:t>15/11/2019</a:t>
+              <a:t>17/11/2019</a:t>
             </a:fld>
             <a:endParaRPr lang="en-AU"/>
           </a:p>
@@ -2897,7 +2897,7 @@
           <a:p>
             <a:fld id="{3740481E-2B2E-42A6-99E5-3163D735C35F}" type="datetimeFigureOut">
               <a:rPr lang="en-AU" smtClean="0"/>
-              <a:t>15/11/2019</a:t>
+              <a:t>17/11/2019</a:t>
             </a:fld>
             <a:endParaRPr lang="en-AU"/>
           </a:p>
@@ -3140,7 +3140,7 @@
           <a:p>
             <a:fld id="{3740481E-2B2E-42A6-99E5-3163D735C35F}" type="datetimeFigureOut">
               <a:rPr lang="en-AU" smtClean="0"/>
-              <a:t>15/11/2019</a:t>
+              <a:t>17/11/2019</a:t>
             </a:fld>
             <a:endParaRPr lang="en-AU"/>
           </a:p>
@@ -3884,13 +3884,8 @@
             <a:pPr lvl="1"/>
             <a:r>
               <a:rPr lang="en-AU" dirty="0"/>
-              <a:t>Show example in </a:t>
-            </a:r>
-            <a:r>
-              <a:rPr lang="en-AU"/>
-              <a:t>basic example</a:t>
-            </a:r>
-            <a:endParaRPr lang="en-AU" dirty="0"/>
+              <a:t>Show example in basic example</a:t>
+            </a:r>
           </a:p>
         </p:txBody>
       </p:sp>
@@ -4119,11 +4114,27 @@
             </a:pPr>
             <a:r>
               <a:rPr lang="en-AU" dirty="0"/>
-              <a:t>How to query </a:t>
-            </a:r>
-            <a:r>
-              <a:rPr lang="en-AU"/>
-              <a:t>existing resources?</a:t>
+              <a:t>How to query existing resources?</a:t>
+            </a:r>
+          </a:p>
+          <a:p>
+            <a:pPr marL="0" indent="0">
+              <a:buNone/>
+            </a:pPr>
+            <a:r>
+              <a:rPr lang="en-AU" dirty="0"/>
+              <a:t>Call backs on objects</a:t>
+            </a:r>
+          </a:p>
+          <a:p>
+            <a:pPr marL="0" indent="0">
+              <a:buNone/>
+            </a:pPr>
+            <a:r>
+              <a:rPr lang="en-AU" dirty="0">
+                <a:hlinkClick r:id="rId2"/>
+              </a:rPr>
+              <a:t>https://github.com/JakeGinnivan/ndc-sydney-pulumi-demo/blob/master/static-site-generator/index.ts</a:t>
             </a:r>
             <a:endParaRPr lang="en-AU" dirty="0"/>
           </a:p>
@@ -5466,12 +5477,6 @@
 </file>
 
 <file path=customXml/item2.xml><?xml version="1.0" encoding="utf-8"?>
-<p:properties xmlns:p="http://schemas.microsoft.com/office/2006/metadata/properties" xmlns:xsi="http://www.w3.org/2001/XMLSchema-instance" xmlns:pc="http://schemas.microsoft.com/office/infopath/2007/PartnerControls">
-  <documentManagement/>
-</p:properties>
-</file>
-
-<file path=customXml/item3.xml><?xml version="1.0" encoding="utf-8"?>
 <ct:contentTypeSchema xmlns:ct="http://schemas.microsoft.com/office/2006/metadata/contentType" xmlns:ma="http://schemas.microsoft.com/office/2006/metadata/properties/metaAttributes" ct:_="" ma:_="" ma:contentTypeName="Document" ma:contentTypeID="0x010100B2CD99F856A1EC42B2ACD80D08334796" ma:contentTypeVersion="10" ma:contentTypeDescription="Create a new document." ma:contentTypeScope="" ma:versionID="531eacbd82e3ace77fedb03770ef5d0b">
   <xsd:schema xmlns:xsd="http://www.w3.org/2001/XMLSchema" xmlns:xs="http://www.w3.org/2001/XMLSchema" xmlns:p="http://schemas.microsoft.com/office/2006/metadata/properties" xmlns:ns2="28437124-349a-458a-82bc-f65eb78fc608" xmlns:ns3="969ad472-d3fc-4b9c-a814-28e1957825c9" targetNamespace="http://schemas.microsoft.com/office/2006/metadata/properties" ma:root="true" ma:fieldsID="34c927daddbb7b1cb89b8dffb73e8016" ns2:_="" ns3:_="">
     <xsd:import namespace="28437124-349a-458a-82bc-f65eb78fc608"/>
@@ -5674,6 +5679,12 @@
 </ct:contentTypeSchema>
 </file>
 
+<file path=customXml/item3.xml><?xml version="1.0" encoding="utf-8"?>
+<p:properties xmlns:p="http://schemas.microsoft.com/office/2006/metadata/properties" xmlns:xsi="http://www.w3.org/2001/XMLSchema-instance" xmlns:pc="http://schemas.microsoft.com/office/infopath/2007/PartnerControls">
+  <documentManagement/>
+</p:properties>
+</file>
+
 <file path=customXml/itemProps1.xml><?xml version="1.0" encoding="utf-8"?>
 <ds:datastoreItem xmlns:ds="http://schemas.openxmlformats.org/officeDocument/2006/customXml" ds:itemID="{D7FBFE9F-C992-43C0-A479-04B52F3B5157}">
   <ds:schemaRefs>
@@ -5683,15 +5694,6 @@
 </file>
 
 <file path=customXml/itemProps2.xml><?xml version="1.0" encoding="utf-8"?>
-<ds:datastoreItem xmlns:ds="http://schemas.openxmlformats.org/officeDocument/2006/customXml" ds:itemID="{DE728FD5-B8EE-4D95-A1D1-73AE2F2D0FE2}">
-  <ds:schemaRefs>
-    <ds:schemaRef ds:uri="http://schemas.microsoft.com/office/2006/metadata/properties"/>
-    <ds:schemaRef ds:uri="http://schemas.microsoft.com/office/infopath/2007/PartnerControls"/>
-  </ds:schemaRefs>
-</ds:datastoreItem>
-</file>
-
-<file path=customXml/itemProps3.xml><?xml version="1.0" encoding="utf-8"?>
 <ds:datastoreItem xmlns:ds="http://schemas.openxmlformats.org/officeDocument/2006/customXml" ds:itemID="{63CA9ED7-8651-4D44-8320-10FCA17A5722}">
   <ds:schemaRefs>
     <ds:schemaRef ds:uri="http://schemas.microsoft.com/office/2006/metadata/contentType"/>
@@ -5708,4 +5710,13 @@
     <ds:schemaRef ds:uri="http://schemas.microsoft.com/internal/obd"/>
   </ds:schemaRefs>
 </ds:datastoreItem>
+</file>
+
+<file path=customXml/itemProps3.xml><?xml version="1.0" encoding="utf-8"?>
+<ds:datastoreItem xmlns:ds="http://schemas.openxmlformats.org/officeDocument/2006/customXml" ds:itemID="{DE728FD5-B8EE-4D95-A1D1-73AE2F2D0FE2}">
+  <ds:schemaRefs>
+    <ds:schemaRef ds:uri="http://schemas.microsoft.com/office/2006/metadata/properties"/>
+    <ds:schemaRef ds:uri="http://schemas.microsoft.com/office/infopath/2007/PartnerControls"/>
+  </ds:schemaRefs>
+</ds:datastoreItem>
 </file>